--- a/f.pptx
+++ b/f.pptx
@@ -38,13 +38,6 @@
       <p:bold r:id="rId26"/>
       <p:italic r:id="rId27"/>
       <p:boldItalic r:id="rId28"/>
-    </p:embeddedFont>
-    <p:embeddedFont>
-      <p:font typeface="Merriweather"/>
-      <p:regular r:id="rId29"/>
-      <p:bold r:id="rId30"/>
-      <p:italic r:id="rId31"/>
-      <p:boldItalic r:id="rId32"/>
     </p:embeddedFont>
   </p:embeddedFontLst>
   <p:defaultTextStyle>
@@ -501,7 +494,7 @@
   <p:cSld>
     <p:spTree>
       <p:nvGrpSpPr>
-        <p:cNvPr id="111" name="Shape 111"/>
+        <p:cNvPr id="110" name="Shape 110"/>
         <p:cNvGrpSpPr/>
         <p:nvPr/>
       </p:nvGrpSpPr>
@@ -515,7 +508,7 @@
       </p:grpSpPr>
       <p:sp>
         <p:nvSpPr>
-          <p:cNvPr id="112" name="Shape 112"/>
+          <p:cNvPr id="111" name="Shape 111"/>
           <p:cNvSpPr/>
           <p:nvPr>
             <p:ph idx="2" type="sldImg"/>
@@ -549,7 +542,7 @@
       </p:sp>
       <p:sp>
         <p:nvSpPr>
-          <p:cNvPr id="113" name="Shape 113"/>
+          <p:cNvPr id="112" name="Shape 112"/>
           <p:cNvSpPr txBox="1"/>
           <p:nvPr>
             <p:ph idx="1" type="body"/>
@@ -596,7 +589,7 @@
   <p:cSld>
     <p:spTree>
       <p:nvGrpSpPr>
-        <p:cNvPr id="118" name="Shape 118"/>
+        <p:cNvPr id="117" name="Shape 117"/>
         <p:cNvGrpSpPr/>
         <p:nvPr/>
       </p:nvGrpSpPr>
@@ -610,7 +603,7 @@
       </p:grpSpPr>
       <p:sp>
         <p:nvSpPr>
-          <p:cNvPr id="119" name="Shape 119"/>
+          <p:cNvPr id="118" name="Shape 118"/>
           <p:cNvSpPr/>
           <p:nvPr>
             <p:ph idx="2" type="sldImg"/>
@@ -644,7 +637,7 @@
       </p:sp>
       <p:sp>
         <p:nvSpPr>
-          <p:cNvPr id="120" name="Shape 120"/>
+          <p:cNvPr id="119" name="Shape 119"/>
           <p:cNvSpPr txBox="1"/>
           <p:nvPr>
             <p:ph idx="1" type="body"/>
@@ -691,7 +684,7 @@
   <p:cSld>
     <p:spTree>
       <p:nvGrpSpPr>
-        <p:cNvPr id="125" name="Shape 125"/>
+        <p:cNvPr id="124" name="Shape 124"/>
         <p:cNvGrpSpPr/>
         <p:nvPr/>
       </p:nvGrpSpPr>
@@ -705,7 +698,7 @@
       </p:grpSpPr>
       <p:sp>
         <p:nvSpPr>
-          <p:cNvPr id="126" name="Shape 126"/>
+          <p:cNvPr id="125" name="Shape 125"/>
           <p:cNvSpPr/>
           <p:nvPr>
             <p:ph idx="2" type="sldImg"/>
@@ -739,7 +732,7 @@
       </p:sp>
       <p:sp>
         <p:nvSpPr>
-          <p:cNvPr id="127" name="Shape 127"/>
+          <p:cNvPr id="126" name="Shape 126"/>
           <p:cNvSpPr txBox="1"/>
           <p:nvPr>
             <p:ph idx="1" type="body"/>
@@ -786,7 +779,7 @@
   <p:cSld>
     <p:spTree>
       <p:nvGrpSpPr>
-        <p:cNvPr id="132" name="Shape 132"/>
+        <p:cNvPr id="131" name="Shape 131"/>
         <p:cNvGrpSpPr/>
         <p:nvPr/>
       </p:nvGrpSpPr>
@@ -800,7 +793,7 @@
       </p:grpSpPr>
       <p:sp>
         <p:nvSpPr>
-          <p:cNvPr id="133" name="Shape 133"/>
+          <p:cNvPr id="132" name="Shape 132"/>
           <p:cNvSpPr/>
           <p:nvPr>
             <p:ph idx="2" type="sldImg"/>
@@ -834,7 +827,7 @@
       </p:sp>
       <p:sp>
         <p:nvSpPr>
-          <p:cNvPr id="134" name="Shape 134"/>
+          <p:cNvPr id="133" name="Shape 133"/>
           <p:cNvSpPr txBox="1"/>
           <p:nvPr>
             <p:ph idx="1" type="body"/>
@@ -881,7 +874,7 @@
   <p:cSld>
     <p:spTree>
       <p:nvGrpSpPr>
-        <p:cNvPr id="139" name="Shape 139"/>
+        <p:cNvPr id="138" name="Shape 138"/>
         <p:cNvGrpSpPr/>
         <p:nvPr/>
       </p:nvGrpSpPr>
@@ -895,7 +888,7 @@
       </p:grpSpPr>
       <p:sp>
         <p:nvSpPr>
-          <p:cNvPr id="140" name="Shape 140"/>
+          <p:cNvPr id="139" name="Shape 139"/>
           <p:cNvSpPr/>
           <p:nvPr>
             <p:ph idx="2" type="sldImg"/>
@@ -929,7 +922,7 @@
       </p:sp>
       <p:sp>
         <p:nvSpPr>
-          <p:cNvPr id="141" name="Shape 141"/>
+          <p:cNvPr id="140" name="Shape 140"/>
           <p:cNvSpPr txBox="1"/>
           <p:nvPr>
             <p:ph idx="1" type="body"/>
@@ -976,7 +969,7 @@
   <p:cSld>
     <p:spTree>
       <p:nvGrpSpPr>
-        <p:cNvPr id="146" name="Shape 146"/>
+        <p:cNvPr id="145" name="Shape 145"/>
         <p:cNvGrpSpPr/>
         <p:nvPr/>
       </p:nvGrpSpPr>
@@ -990,7 +983,7 @@
       </p:grpSpPr>
       <p:sp>
         <p:nvSpPr>
-          <p:cNvPr id="147" name="Shape 147"/>
+          <p:cNvPr id="146" name="Shape 146"/>
           <p:cNvSpPr/>
           <p:nvPr>
             <p:ph idx="2" type="sldImg"/>
@@ -1024,7 +1017,7 @@
       </p:sp>
       <p:sp>
         <p:nvSpPr>
-          <p:cNvPr id="148" name="Shape 148"/>
+          <p:cNvPr id="147" name="Shape 147"/>
           <p:cNvSpPr txBox="1"/>
           <p:nvPr>
             <p:ph idx="1" type="body"/>
@@ -1071,7 +1064,7 @@
   <p:cSld>
     <p:spTree>
       <p:nvGrpSpPr>
-        <p:cNvPr id="153" name="Shape 153"/>
+        <p:cNvPr id="152" name="Shape 152"/>
         <p:cNvGrpSpPr/>
         <p:nvPr/>
       </p:nvGrpSpPr>
@@ -1085,7 +1078,7 @@
       </p:grpSpPr>
       <p:sp>
         <p:nvSpPr>
-          <p:cNvPr id="154" name="Shape 154"/>
+          <p:cNvPr id="153" name="Shape 153"/>
           <p:cNvSpPr/>
           <p:nvPr>
             <p:ph idx="2" type="sldImg"/>
@@ -1119,7 +1112,7 @@
       </p:sp>
       <p:sp>
         <p:nvSpPr>
-          <p:cNvPr id="155" name="Shape 155"/>
+          <p:cNvPr id="154" name="Shape 154"/>
           <p:cNvSpPr txBox="1"/>
           <p:nvPr>
             <p:ph idx="1" type="body"/>
@@ -1166,7 +1159,7 @@
   <p:cSld>
     <p:spTree>
       <p:nvGrpSpPr>
-        <p:cNvPr id="159" name="Shape 159"/>
+        <p:cNvPr id="158" name="Shape 158"/>
         <p:cNvGrpSpPr/>
         <p:nvPr/>
       </p:nvGrpSpPr>
@@ -1180,7 +1173,7 @@
       </p:grpSpPr>
       <p:sp>
         <p:nvSpPr>
-          <p:cNvPr id="160" name="Shape 160"/>
+          <p:cNvPr id="159" name="Shape 159"/>
           <p:cNvSpPr/>
           <p:nvPr>
             <p:ph idx="2" type="sldImg"/>
@@ -1214,7 +1207,7 @@
       </p:sp>
       <p:sp>
         <p:nvSpPr>
-          <p:cNvPr id="161" name="Shape 161"/>
+          <p:cNvPr id="160" name="Shape 160"/>
           <p:cNvSpPr txBox="1"/>
           <p:nvPr>
             <p:ph idx="1" type="body"/>
@@ -1261,7 +1254,7 @@
   <p:cSld>
     <p:spTree>
       <p:nvGrpSpPr>
-        <p:cNvPr id="166" name="Shape 166"/>
+        <p:cNvPr id="165" name="Shape 165"/>
         <p:cNvGrpSpPr/>
         <p:nvPr/>
       </p:nvGrpSpPr>
@@ -1275,7 +1268,7 @@
       </p:grpSpPr>
       <p:sp>
         <p:nvSpPr>
-          <p:cNvPr id="167" name="Shape 167"/>
+          <p:cNvPr id="166" name="Shape 166"/>
           <p:cNvSpPr/>
           <p:nvPr>
             <p:ph idx="2" type="sldImg"/>
@@ -1309,7 +1302,7 @@
       </p:sp>
       <p:sp>
         <p:nvSpPr>
-          <p:cNvPr id="168" name="Shape 168"/>
+          <p:cNvPr id="167" name="Shape 167"/>
           <p:cNvSpPr txBox="1"/>
           <p:nvPr>
             <p:ph idx="1" type="body"/>
@@ -1356,7 +1349,7 @@
   <p:cSld>
     <p:spTree>
       <p:nvGrpSpPr>
-        <p:cNvPr id="172" name="Shape 172"/>
+        <p:cNvPr id="171" name="Shape 171"/>
         <p:cNvGrpSpPr/>
         <p:nvPr/>
       </p:nvGrpSpPr>
@@ -1370,7 +1363,7 @@
       </p:grpSpPr>
       <p:sp>
         <p:nvSpPr>
-          <p:cNvPr id="173" name="Shape 173"/>
+          <p:cNvPr id="172" name="Shape 172"/>
           <p:cNvSpPr/>
           <p:nvPr>
             <p:ph idx="2" type="sldImg"/>
@@ -1404,7 +1397,7 @@
       </p:sp>
       <p:sp>
         <p:nvSpPr>
-          <p:cNvPr id="174" name="Shape 174"/>
+          <p:cNvPr id="173" name="Shape 173"/>
           <p:cNvSpPr txBox="1"/>
           <p:nvPr>
             <p:ph idx="1" type="body"/>
@@ -1451,7 +1444,7 @@
   <p:cSld>
     <p:spTree>
       <p:nvGrpSpPr>
-        <p:cNvPr id="56" name="Shape 56"/>
+        <p:cNvPr id="55" name="Shape 55"/>
         <p:cNvGrpSpPr/>
         <p:nvPr/>
       </p:nvGrpSpPr>
@@ -1465,7 +1458,7 @@
       </p:grpSpPr>
       <p:sp>
         <p:nvSpPr>
-          <p:cNvPr id="57" name="Shape 57"/>
+          <p:cNvPr id="56" name="Shape 56"/>
           <p:cNvSpPr/>
           <p:nvPr>
             <p:ph idx="2" type="sldImg"/>
@@ -1499,7 +1492,7 @@
       </p:sp>
       <p:sp>
         <p:nvSpPr>
-          <p:cNvPr id="58" name="Shape 58"/>
+          <p:cNvPr id="57" name="Shape 57"/>
           <p:cNvSpPr txBox="1"/>
           <p:nvPr>
             <p:ph idx="1" type="body"/>
@@ -1546,7 +1539,7 @@
   <p:cSld>
     <p:spTree>
       <p:nvGrpSpPr>
-        <p:cNvPr id="178" name="Shape 178"/>
+        <p:cNvPr id="177" name="Shape 177"/>
         <p:cNvGrpSpPr/>
         <p:nvPr/>
       </p:nvGrpSpPr>
@@ -1560,7 +1553,7 @@
       </p:grpSpPr>
       <p:sp>
         <p:nvSpPr>
-          <p:cNvPr id="179" name="Shape 179"/>
+          <p:cNvPr id="178" name="Shape 178"/>
           <p:cNvSpPr/>
           <p:nvPr>
             <p:ph idx="2" type="sldImg"/>
@@ -1594,7 +1587,7 @@
       </p:sp>
       <p:sp>
         <p:nvSpPr>
-          <p:cNvPr id="180" name="Shape 180"/>
+          <p:cNvPr id="179" name="Shape 179"/>
           <p:cNvSpPr txBox="1"/>
           <p:nvPr>
             <p:ph idx="1" type="body"/>
@@ -1641,7 +1634,7 @@
   <p:cSld>
     <p:spTree>
       <p:nvGrpSpPr>
-        <p:cNvPr id="62" name="Shape 62"/>
+        <p:cNvPr id="61" name="Shape 61"/>
         <p:cNvGrpSpPr/>
         <p:nvPr/>
       </p:nvGrpSpPr>
@@ -1655,7 +1648,7 @@
       </p:grpSpPr>
       <p:sp>
         <p:nvSpPr>
-          <p:cNvPr id="63" name="Shape 63"/>
+          <p:cNvPr id="62" name="Shape 62"/>
           <p:cNvSpPr/>
           <p:nvPr>
             <p:ph idx="2" type="sldImg"/>
@@ -1689,7 +1682,7 @@
       </p:sp>
       <p:sp>
         <p:nvSpPr>
-          <p:cNvPr id="64" name="Shape 64"/>
+          <p:cNvPr id="63" name="Shape 63"/>
           <p:cNvSpPr txBox="1"/>
           <p:nvPr>
             <p:ph idx="1" type="body"/>
@@ -1736,7 +1729,7 @@
   <p:cSld>
     <p:spTree>
       <p:nvGrpSpPr>
-        <p:cNvPr id="69" name="Shape 69"/>
+        <p:cNvPr id="68" name="Shape 68"/>
         <p:cNvGrpSpPr/>
         <p:nvPr/>
       </p:nvGrpSpPr>
@@ -1750,7 +1743,7 @@
       </p:grpSpPr>
       <p:sp>
         <p:nvSpPr>
-          <p:cNvPr id="70" name="Shape 70"/>
+          <p:cNvPr id="69" name="Shape 69"/>
           <p:cNvSpPr/>
           <p:nvPr>
             <p:ph idx="2" type="sldImg"/>
@@ -1784,7 +1777,7 @@
       </p:sp>
       <p:sp>
         <p:nvSpPr>
-          <p:cNvPr id="71" name="Shape 71"/>
+          <p:cNvPr id="70" name="Shape 70"/>
           <p:cNvSpPr txBox="1"/>
           <p:nvPr>
             <p:ph idx="1" type="body"/>
@@ -1831,7 +1824,7 @@
   <p:cSld>
     <p:spTree>
       <p:nvGrpSpPr>
-        <p:cNvPr id="76" name="Shape 76"/>
+        <p:cNvPr id="75" name="Shape 75"/>
         <p:cNvGrpSpPr/>
         <p:nvPr/>
       </p:nvGrpSpPr>
@@ -1845,7 +1838,7 @@
       </p:grpSpPr>
       <p:sp>
         <p:nvSpPr>
-          <p:cNvPr id="77" name="Shape 77"/>
+          <p:cNvPr id="76" name="Shape 76"/>
           <p:cNvSpPr/>
           <p:nvPr>
             <p:ph idx="2" type="sldImg"/>
@@ -1879,7 +1872,7 @@
       </p:sp>
       <p:sp>
         <p:nvSpPr>
-          <p:cNvPr id="78" name="Shape 78"/>
+          <p:cNvPr id="77" name="Shape 77"/>
           <p:cNvSpPr txBox="1"/>
           <p:nvPr>
             <p:ph idx="1" type="body"/>
@@ -1926,7 +1919,7 @@
   <p:cSld>
     <p:spTree>
       <p:nvGrpSpPr>
-        <p:cNvPr id="83" name="Shape 83"/>
+        <p:cNvPr id="82" name="Shape 82"/>
         <p:cNvGrpSpPr/>
         <p:nvPr/>
       </p:nvGrpSpPr>
@@ -1940,7 +1933,7 @@
       </p:grpSpPr>
       <p:sp>
         <p:nvSpPr>
-          <p:cNvPr id="84" name="Shape 84"/>
+          <p:cNvPr id="83" name="Shape 83"/>
           <p:cNvSpPr/>
           <p:nvPr>
             <p:ph idx="2" type="sldImg"/>
@@ -1974,7 +1967,7 @@
       </p:sp>
       <p:sp>
         <p:nvSpPr>
-          <p:cNvPr id="85" name="Shape 85"/>
+          <p:cNvPr id="84" name="Shape 84"/>
           <p:cNvSpPr txBox="1"/>
           <p:nvPr>
             <p:ph idx="1" type="body"/>
@@ -2021,7 +2014,7 @@
   <p:cSld>
     <p:spTree>
       <p:nvGrpSpPr>
-        <p:cNvPr id="90" name="Shape 90"/>
+        <p:cNvPr id="89" name="Shape 89"/>
         <p:cNvGrpSpPr/>
         <p:nvPr/>
       </p:nvGrpSpPr>
@@ -2035,7 +2028,7 @@
       </p:grpSpPr>
       <p:sp>
         <p:nvSpPr>
-          <p:cNvPr id="91" name="Shape 91"/>
+          <p:cNvPr id="90" name="Shape 90"/>
           <p:cNvSpPr/>
           <p:nvPr>
             <p:ph idx="2" type="sldImg"/>
@@ -2069,7 +2062,7 @@
       </p:sp>
       <p:sp>
         <p:nvSpPr>
-          <p:cNvPr id="92" name="Shape 92"/>
+          <p:cNvPr id="91" name="Shape 91"/>
           <p:cNvSpPr txBox="1"/>
           <p:nvPr>
             <p:ph idx="1" type="body"/>
@@ -2116,7 +2109,7 @@
   <p:cSld>
     <p:spTree>
       <p:nvGrpSpPr>
-        <p:cNvPr id="97" name="Shape 97"/>
+        <p:cNvPr id="96" name="Shape 96"/>
         <p:cNvGrpSpPr/>
         <p:nvPr/>
       </p:nvGrpSpPr>
@@ -2130,7 +2123,7 @@
       </p:grpSpPr>
       <p:sp>
         <p:nvSpPr>
-          <p:cNvPr id="98" name="Shape 98"/>
+          <p:cNvPr id="97" name="Shape 97"/>
           <p:cNvSpPr/>
           <p:nvPr>
             <p:ph idx="2" type="sldImg"/>
@@ -2164,7 +2157,7 @@
       </p:sp>
       <p:sp>
         <p:nvSpPr>
-          <p:cNvPr id="99" name="Shape 99"/>
+          <p:cNvPr id="98" name="Shape 98"/>
           <p:cNvSpPr txBox="1"/>
           <p:nvPr>
             <p:ph idx="1" type="body"/>
@@ -2211,7 +2204,7 @@
   <p:cSld>
     <p:spTree>
       <p:nvGrpSpPr>
-        <p:cNvPr id="104" name="Shape 104"/>
+        <p:cNvPr id="103" name="Shape 103"/>
         <p:cNvGrpSpPr/>
         <p:nvPr/>
       </p:nvGrpSpPr>
@@ -2225,7 +2218,7 @@
       </p:grpSpPr>
       <p:sp>
         <p:nvSpPr>
-          <p:cNvPr id="105" name="Shape 105"/>
+          <p:cNvPr id="104" name="Shape 104"/>
           <p:cNvSpPr/>
           <p:nvPr>
             <p:ph idx="2" type="sldImg"/>
@@ -2259,7 +2252,7 @@
       </p:sp>
       <p:sp>
         <p:nvSpPr>
-          <p:cNvPr id="106" name="Shape 106"/>
+          <p:cNvPr id="105" name="Shape 105"/>
           <p:cNvSpPr txBox="1"/>
           <p:nvPr>
             <p:ph idx="1" type="body"/>
@@ -5531,7 +5524,7 @@
         </p:blipFill>
         <p:spPr>
           <a:xfrm>
-            <a:off x="1094225" y="-914400"/>
+            <a:off x="1103750" y="0"/>
             <a:ext cx="6857999" cy="5143499"/>
           </a:xfrm>
           <a:prstGeom prst="rect">
@@ -5543,52 +5536,6 @@
           </a:ln>
         </p:spPr>
       </p:pic>
-      <p:sp>
-        <p:nvSpPr>
-          <p:cNvPr id="55" name="Shape 55"/>
-          <p:cNvSpPr txBox="1"/>
-          <p:nvPr/>
-        </p:nvSpPr>
-        <p:spPr>
-          <a:xfrm>
-            <a:off x="791975" y="3063200"/>
-            <a:ext cx="7462499" cy="1431300"/>
-          </a:xfrm>
-          <a:prstGeom prst="rect">
-            <a:avLst/>
-          </a:prstGeom>
-          <a:noFill/>
-          <a:ln>
-            <a:noFill/>
-          </a:ln>
-        </p:spPr>
-        <p:txBody>
-          <a:bodyPr anchorCtr="0" anchor="t" bIns="91425" lIns="91425" rIns="91425" tIns="91425">
-            <a:noAutofit/>
-          </a:bodyPr>
-          <a:lstStyle/>
-          <a:p>
-            <a:pPr lvl="0" algn="ctr">
-              <a:spcBef>
-                <a:spcPts val="0"/>
-              </a:spcBef>
-              <a:buNone/>
-            </a:pPr>
-            <a:r>
-              <a:rPr lang="de" sz="6000">
-                <a:solidFill>
-                  <a:srgbClr val="DCB66A"/>
-                </a:solidFill>
-                <a:latin typeface="Merriweather"/>
-                <a:ea typeface="Merriweather"/>
-                <a:cs typeface="Merriweather"/>
-                <a:sym typeface="Merriweather"/>
-              </a:rPr>
-              <a:t>Geschäftsbericht</a:t>
-            </a:r>
-          </a:p>
-        </p:txBody>
-      </p:sp>
     </p:spTree>
   </p:cSld>
   <p:clrMapOvr>
@@ -5605,7 +5552,7 @@
   <p:cSld>
     <p:spTree>
       <p:nvGrpSpPr>
-        <p:cNvPr id="114" name="Shape 114"/>
+        <p:cNvPr id="113" name="Shape 113"/>
         <p:cNvGrpSpPr/>
         <p:nvPr/>
       </p:nvGrpSpPr>
@@ -5619,7 +5566,7 @@
       </p:grpSpPr>
       <p:sp>
         <p:nvSpPr>
-          <p:cNvPr id="115" name="Shape 115"/>
+          <p:cNvPr id="114" name="Shape 114"/>
           <p:cNvSpPr txBox="1"/>
           <p:nvPr>
             <p:ph type="title"/>
@@ -5655,7 +5602,7 @@
       </p:sp>
       <p:sp>
         <p:nvSpPr>
-          <p:cNvPr id="116" name="Shape 116"/>
+          <p:cNvPr id="115" name="Shape 115"/>
           <p:cNvSpPr txBox="1"/>
           <p:nvPr>
             <p:ph idx="1" type="body"/>
@@ -5691,7 +5638,7 @@
       </p:sp>
       <p:pic>
         <p:nvPicPr>
-          <p:cNvPr id="117" name="Shape 117"/>
+          <p:cNvPr id="116" name="Shape 116"/>
           <p:cNvPicPr preferRelativeResize="0"/>
           <p:nvPr/>
         </p:nvPicPr>
@@ -5733,7 +5680,7 @@
   <p:cSld>
     <p:spTree>
       <p:nvGrpSpPr>
-        <p:cNvPr id="121" name="Shape 121"/>
+        <p:cNvPr id="120" name="Shape 120"/>
         <p:cNvGrpSpPr/>
         <p:nvPr/>
       </p:nvGrpSpPr>
@@ -5747,7 +5694,7 @@
       </p:grpSpPr>
       <p:sp>
         <p:nvSpPr>
-          <p:cNvPr id="122" name="Shape 122"/>
+          <p:cNvPr id="121" name="Shape 121"/>
           <p:cNvSpPr txBox="1"/>
           <p:nvPr>
             <p:ph type="title"/>
@@ -5783,7 +5730,7 @@
       </p:sp>
       <p:sp>
         <p:nvSpPr>
-          <p:cNvPr id="123" name="Shape 123"/>
+          <p:cNvPr id="122" name="Shape 122"/>
           <p:cNvSpPr txBox="1"/>
           <p:nvPr>
             <p:ph idx="1" type="body"/>
@@ -5819,7 +5766,7 @@
       </p:sp>
       <p:pic>
         <p:nvPicPr>
-          <p:cNvPr id="124" name="Shape 124"/>
+          <p:cNvPr id="123" name="Shape 123"/>
           <p:cNvPicPr preferRelativeResize="0"/>
           <p:nvPr/>
         </p:nvPicPr>
@@ -5861,7 +5808,7 @@
   <p:cSld>
     <p:spTree>
       <p:nvGrpSpPr>
-        <p:cNvPr id="128" name="Shape 128"/>
+        <p:cNvPr id="127" name="Shape 127"/>
         <p:cNvGrpSpPr/>
         <p:nvPr/>
       </p:nvGrpSpPr>
@@ -5875,7 +5822,7 @@
       </p:grpSpPr>
       <p:sp>
         <p:nvSpPr>
-          <p:cNvPr id="129" name="Shape 129"/>
+          <p:cNvPr id="128" name="Shape 128"/>
           <p:cNvSpPr txBox="1"/>
           <p:nvPr>
             <p:ph type="title"/>
@@ -5911,7 +5858,7 @@
       </p:sp>
       <p:sp>
         <p:nvSpPr>
-          <p:cNvPr id="130" name="Shape 130"/>
+          <p:cNvPr id="129" name="Shape 129"/>
           <p:cNvSpPr txBox="1"/>
           <p:nvPr>
             <p:ph idx="1" type="body"/>
@@ -5947,7 +5894,7 @@
       </p:sp>
       <p:pic>
         <p:nvPicPr>
-          <p:cNvPr id="131" name="Shape 131"/>
+          <p:cNvPr id="130" name="Shape 130"/>
           <p:cNvPicPr preferRelativeResize="0"/>
           <p:nvPr/>
         </p:nvPicPr>
@@ -5989,7 +5936,7 @@
   <p:cSld>
     <p:spTree>
       <p:nvGrpSpPr>
-        <p:cNvPr id="135" name="Shape 135"/>
+        <p:cNvPr id="134" name="Shape 134"/>
         <p:cNvGrpSpPr/>
         <p:nvPr/>
       </p:nvGrpSpPr>
@@ -6003,7 +5950,7 @@
       </p:grpSpPr>
       <p:sp>
         <p:nvSpPr>
-          <p:cNvPr id="136" name="Shape 136"/>
+          <p:cNvPr id="135" name="Shape 135"/>
           <p:cNvSpPr txBox="1"/>
           <p:nvPr>
             <p:ph type="title"/>
@@ -6039,7 +5986,7 @@
       </p:sp>
       <p:sp>
         <p:nvSpPr>
-          <p:cNvPr id="137" name="Shape 137"/>
+          <p:cNvPr id="136" name="Shape 136"/>
           <p:cNvSpPr txBox="1"/>
           <p:nvPr>
             <p:ph idx="1" type="body"/>
@@ -6075,7 +6022,7 @@
       </p:sp>
       <p:pic>
         <p:nvPicPr>
-          <p:cNvPr id="138" name="Shape 138"/>
+          <p:cNvPr id="137" name="Shape 137"/>
           <p:cNvPicPr preferRelativeResize="0"/>
           <p:nvPr/>
         </p:nvPicPr>
@@ -6117,7 +6064,7 @@
   <p:cSld>
     <p:spTree>
       <p:nvGrpSpPr>
-        <p:cNvPr id="142" name="Shape 142"/>
+        <p:cNvPr id="141" name="Shape 141"/>
         <p:cNvGrpSpPr/>
         <p:nvPr/>
       </p:nvGrpSpPr>
@@ -6131,7 +6078,7 @@
       </p:grpSpPr>
       <p:sp>
         <p:nvSpPr>
-          <p:cNvPr id="143" name="Shape 143"/>
+          <p:cNvPr id="142" name="Shape 142"/>
           <p:cNvSpPr txBox="1"/>
           <p:nvPr>
             <p:ph type="title"/>
@@ -6167,7 +6114,7 @@
       </p:sp>
       <p:sp>
         <p:nvSpPr>
-          <p:cNvPr id="144" name="Shape 144"/>
+          <p:cNvPr id="143" name="Shape 143"/>
           <p:cNvSpPr txBox="1"/>
           <p:nvPr>
             <p:ph idx="1" type="body"/>
@@ -6203,7 +6150,7 @@
       </p:sp>
       <p:pic>
         <p:nvPicPr>
-          <p:cNvPr id="145" name="Shape 145"/>
+          <p:cNvPr id="144" name="Shape 144"/>
           <p:cNvPicPr preferRelativeResize="0"/>
           <p:nvPr/>
         </p:nvPicPr>
@@ -6245,7 +6192,7 @@
   <p:cSld>
     <p:spTree>
       <p:nvGrpSpPr>
-        <p:cNvPr id="149" name="Shape 149"/>
+        <p:cNvPr id="148" name="Shape 148"/>
         <p:cNvGrpSpPr/>
         <p:nvPr/>
       </p:nvGrpSpPr>
@@ -6259,7 +6206,7 @@
       </p:grpSpPr>
       <p:sp>
         <p:nvSpPr>
-          <p:cNvPr id="150" name="Shape 150"/>
+          <p:cNvPr id="149" name="Shape 149"/>
           <p:cNvSpPr txBox="1"/>
           <p:nvPr>
             <p:ph type="title"/>
@@ -6295,7 +6242,7 @@
       </p:sp>
       <p:sp>
         <p:nvSpPr>
-          <p:cNvPr id="151" name="Shape 151"/>
+          <p:cNvPr id="150" name="Shape 150"/>
           <p:cNvSpPr txBox="1"/>
           <p:nvPr>
             <p:ph idx="1" type="body"/>
@@ -6331,7 +6278,7 @@
       </p:sp>
       <p:pic>
         <p:nvPicPr>
-          <p:cNvPr id="152" name="Shape 152"/>
+          <p:cNvPr id="151" name="Shape 151"/>
           <p:cNvPicPr preferRelativeResize="0"/>
           <p:nvPr/>
         </p:nvPicPr>
@@ -6373,7 +6320,7 @@
   <p:cSld>
     <p:spTree>
       <p:nvGrpSpPr>
-        <p:cNvPr id="156" name="Shape 156"/>
+        <p:cNvPr id="155" name="Shape 155"/>
         <p:cNvGrpSpPr/>
         <p:nvPr/>
       </p:nvGrpSpPr>
@@ -6387,7 +6334,7 @@
       </p:grpSpPr>
       <p:sp>
         <p:nvSpPr>
-          <p:cNvPr id="157" name="Shape 157"/>
+          <p:cNvPr id="156" name="Shape 156"/>
           <p:cNvSpPr txBox="1"/>
           <p:nvPr>
             <p:ph type="title"/>
@@ -6423,7 +6370,7 @@
       </p:sp>
       <p:pic>
         <p:nvPicPr>
-          <p:cNvPr id="158" name="Shape 158"/>
+          <p:cNvPr id="157" name="Shape 157"/>
           <p:cNvPicPr preferRelativeResize="0"/>
           <p:nvPr/>
         </p:nvPicPr>
@@ -6465,7 +6412,7 @@
   <p:cSld>
     <p:spTree>
       <p:nvGrpSpPr>
-        <p:cNvPr id="162" name="Shape 162"/>
+        <p:cNvPr id="161" name="Shape 161"/>
         <p:cNvGrpSpPr/>
         <p:nvPr/>
       </p:nvGrpSpPr>
@@ -6479,7 +6426,7 @@
       </p:grpSpPr>
       <p:sp>
         <p:nvSpPr>
-          <p:cNvPr id="163" name="Shape 163"/>
+          <p:cNvPr id="162" name="Shape 162"/>
           <p:cNvSpPr txBox="1"/>
           <p:nvPr>
             <p:ph type="title"/>
@@ -6515,7 +6462,7 @@
       </p:sp>
       <p:sp>
         <p:nvSpPr>
-          <p:cNvPr id="164" name="Shape 164"/>
+          <p:cNvPr id="163" name="Shape 163"/>
           <p:cNvSpPr txBox="1"/>
           <p:nvPr>
             <p:ph idx="1" type="body"/>
@@ -6551,7 +6498,7 @@
       </p:sp>
       <p:pic>
         <p:nvPicPr>
-          <p:cNvPr id="165" name="Shape 165"/>
+          <p:cNvPr id="164" name="Shape 164"/>
           <p:cNvPicPr preferRelativeResize="0"/>
           <p:nvPr/>
         </p:nvPicPr>
@@ -6593,7 +6540,7 @@
   <p:cSld>
     <p:spTree>
       <p:nvGrpSpPr>
-        <p:cNvPr id="169" name="Shape 169"/>
+        <p:cNvPr id="168" name="Shape 168"/>
         <p:cNvGrpSpPr/>
         <p:nvPr/>
       </p:nvGrpSpPr>
@@ -6607,7 +6554,7 @@
       </p:grpSpPr>
       <p:sp>
         <p:nvSpPr>
-          <p:cNvPr id="170" name="Shape 170"/>
+          <p:cNvPr id="169" name="Shape 169"/>
           <p:cNvSpPr txBox="1"/>
           <p:nvPr>
             <p:ph type="title"/>
@@ -6643,7 +6590,7 @@
       </p:sp>
       <p:sp>
         <p:nvSpPr>
-          <p:cNvPr id="171" name="Shape 171"/>
+          <p:cNvPr id="170" name="Shape 170"/>
           <p:cNvSpPr txBox="1"/>
           <p:nvPr>
             <p:ph idx="1" type="body"/>
@@ -6664,7 +6611,7 @@
           </a:bodyPr>
           <a:lstStyle/>
           <a:p>
-            <a:pPr lvl="0">
+            <a:pPr lvl="0" rtl="0">
               <a:spcBef>
                 <a:spcPts val="0"/>
               </a:spcBef>
@@ -6678,6 +6625,23 @@
                 <a:sym typeface="Helvetica Neue"/>
               </a:rPr>
               <a:t>Im langfristigen Bereich wäre ein (min) 10-Stelliger Gewinn zu erwarten</a:t>
+            </a:r>
+          </a:p>
+          <a:p>
+            <a:pPr lvl="0">
+              <a:spcBef>
+                <a:spcPts val="0"/>
+              </a:spcBef>
+              <a:buNone/>
+            </a:pPr>
+            <a:r>
+              <a:rPr lang="de">
+                <a:latin typeface="Helvetica Neue"/>
+                <a:ea typeface="Helvetica Neue"/>
+                <a:cs typeface="Helvetica Neue"/>
+                <a:sym typeface="Helvetica Neue"/>
+              </a:rPr>
+              <a:t>Durch hohe Qualität und Investitionen hätte sich der disruptive Erfolg in folgenden Jahren ausgewirkt</a:t>
             </a:r>
           </a:p>
         </p:txBody>
@@ -6698,7 +6662,7 @@
   <p:cSld>
     <p:spTree>
       <p:nvGrpSpPr>
-        <p:cNvPr id="175" name="Shape 175"/>
+        <p:cNvPr id="174" name="Shape 174"/>
         <p:cNvGrpSpPr/>
         <p:nvPr/>
       </p:nvGrpSpPr>
@@ -6712,7 +6676,7 @@
       </p:grpSpPr>
       <p:sp>
         <p:nvSpPr>
-          <p:cNvPr id="176" name="Shape 176"/>
+          <p:cNvPr id="175" name="Shape 175"/>
           <p:cNvSpPr txBox="1"/>
           <p:nvPr>
             <p:ph type="title"/>
@@ -6741,14 +6705,14 @@
             </a:pPr>
             <a:r>
               <a:rPr lang="de"/>
-              <a:t>miuch</a:t>
+              <a:t>frage</a:t>
             </a:r>
           </a:p>
         </p:txBody>
       </p:sp>
       <p:sp>
         <p:nvSpPr>
-          <p:cNvPr id="177" name="Shape 177"/>
+          <p:cNvPr id="176" name="Shape 176"/>
           <p:cNvSpPr txBox="1"/>
           <p:nvPr>
             <p:ph type="title"/>
@@ -6798,7 +6762,7 @@
   <p:cSld>
     <p:spTree>
       <p:nvGrpSpPr>
-        <p:cNvPr id="59" name="Shape 59"/>
+        <p:cNvPr id="58" name="Shape 58"/>
         <p:cNvGrpSpPr/>
         <p:nvPr/>
       </p:nvGrpSpPr>
@@ -6812,7 +6776,7 @@
       </p:grpSpPr>
       <p:sp>
         <p:nvSpPr>
-          <p:cNvPr id="60" name="Shape 60"/>
+          <p:cNvPr id="59" name="Shape 59"/>
           <p:cNvSpPr txBox="1"/>
           <p:nvPr>
             <p:ph type="title"/>
@@ -6848,7 +6812,7 @@
       </p:sp>
       <p:pic>
         <p:nvPicPr>
-          <p:cNvPr id="61" name="Shape 61"/>
+          <p:cNvPr id="60" name="Shape 60"/>
           <p:cNvPicPr preferRelativeResize="0"/>
           <p:nvPr/>
         </p:nvPicPr>
@@ -6890,7 +6854,7 @@
   <p:cSld>
     <p:spTree>
       <p:nvGrpSpPr>
-        <p:cNvPr id="181" name="Shape 181"/>
+        <p:cNvPr id="180" name="Shape 180"/>
         <p:cNvGrpSpPr/>
         <p:nvPr/>
       </p:nvGrpSpPr>
@@ -6904,7 +6868,7 @@
       </p:grpSpPr>
       <p:sp>
         <p:nvSpPr>
-          <p:cNvPr id="182" name="Shape 182"/>
+          <p:cNvPr id="181" name="Shape 181"/>
           <p:cNvSpPr txBox="1"/>
           <p:nvPr>
             <p:ph type="title"/>
@@ -6940,7 +6904,7 @@
       </p:sp>
       <p:sp>
         <p:nvSpPr>
-          <p:cNvPr id="183" name="Shape 183"/>
+          <p:cNvPr id="182" name="Shape 182"/>
           <p:cNvSpPr txBox="1"/>
           <p:nvPr>
             <p:ph idx="1" type="body"/>
@@ -6990,7 +6954,7 @@
   <p:cSld>
     <p:spTree>
       <p:nvGrpSpPr>
-        <p:cNvPr id="65" name="Shape 65"/>
+        <p:cNvPr id="64" name="Shape 64"/>
         <p:cNvGrpSpPr/>
         <p:nvPr/>
       </p:nvGrpSpPr>
@@ -7004,7 +6968,7 @@
       </p:grpSpPr>
       <p:sp>
         <p:nvSpPr>
-          <p:cNvPr id="66" name="Shape 66"/>
+          <p:cNvPr id="65" name="Shape 65"/>
           <p:cNvSpPr txBox="1"/>
           <p:nvPr>
             <p:ph type="title"/>
@@ -7040,7 +7004,7 @@
       </p:sp>
       <p:sp>
         <p:nvSpPr>
-          <p:cNvPr id="67" name="Shape 67"/>
+          <p:cNvPr id="66" name="Shape 66"/>
           <p:cNvSpPr txBox="1"/>
           <p:nvPr>
             <p:ph idx="1" type="body"/>
@@ -7076,7 +7040,7 @@
       </p:sp>
       <p:pic>
         <p:nvPicPr>
-          <p:cNvPr id="68" name="Shape 68"/>
+          <p:cNvPr id="67" name="Shape 67"/>
           <p:cNvPicPr preferRelativeResize="0"/>
           <p:nvPr/>
         </p:nvPicPr>
@@ -7118,7 +7082,7 @@
   <p:cSld>
     <p:spTree>
       <p:nvGrpSpPr>
-        <p:cNvPr id="72" name="Shape 72"/>
+        <p:cNvPr id="71" name="Shape 71"/>
         <p:cNvGrpSpPr/>
         <p:nvPr/>
       </p:nvGrpSpPr>
@@ -7132,7 +7096,7 @@
       </p:grpSpPr>
       <p:sp>
         <p:nvSpPr>
-          <p:cNvPr id="73" name="Shape 73"/>
+          <p:cNvPr id="72" name="Shape 72"/>
           <p:cNvSpPr txBox="1"/>
           <p:nvPr>
             <p:ph type="title"/>
@@ -7168,7 +7132,7 @@
       </p:sp>
       <p:sp>
         <p:nvSpPr>
-          <p:cNvPr id="74" name="Shape 74"/>
+          <p:cNvPr id="73" name="Shape 73"/>
           <p:cNvSpPr txBox="1"/>
           <p:nvPr>
             <p:ph idx="1" type="body"/>
@@ -7204,7 +7168,7 @@
       </p:sp>
       <p:pic>
         <p:nvPicPr>
-          <p:cNvPr id="75" name="Shape 75"/>
+          <p:cNvPr id="74" name="Shape 74"/>
           <p:cNvPicPr preferRelativeResize="0"/>
           <p:nvPr/>
         </p:nvPicPr>
@@ -7246,7 +7210,7 @@
   <p:cSld>
     <p:spTree>
       <p:nvGrpSpPr>
-        <p:cNvPr id="79" name="Shape 79"/>
+        <p:cNvPr id="78" name="Shape 78"/>
         <p:cNvGrpSpPr/>
         <p:nvPr/>
       </p:nvGrpSpPr>
@@ -7260,7 +7224,7 @@
       </p:grpSpPr>
       <p:sp>
         <p:nvSpPr>
-          <p:cNvPr id="80" name="Shape 80"/>
+          <p:cNvPr id="79" name="Shape 79"/>
           <p:cNvSpPr txBox="1"/>
           <p:nvPr>
             <p:ph type="title"/>
@@ -7296,7 +7260,7 @@
       </p:sp>
       <p:sp>
         <p:nvSpPr>
-          <p:cNvPr id="81" name="Shape 81"/>
+          <p:cNvPr id="80" name="Shape 80"/>
           <p:cNvSpPr txBox="1"/>
           <p:nvPr>
             <p:ph idx="1" type="body"/>
@@ -7332,7 +7296,7 @@
       </p:sp>
       <p:pic>
         <p:nvPicPr>
-          <p:cNvPr id="82" name="Shape 82"/>
+          <p:cNvPr id="81" name="Shape 81"/>
           <p:cNvPicPr preferRelativeResize="0"/>
           <p:nvPr/>
         </p:nvPicPr>
@@ -7374,7 +7338,7 @@
   <p:cSld>
     <p:spTree>
       <p:nvGrpSpPr>
-        <p:cNvPr id="86" name="Shape 86"/>
+        <p:cNvPr id="85" name="Shape 85"/>
         <p:cNvGrpSpPr/>
         <p:nvPr/>
       </p:nvGrpSpPr>
@@ -7388,7 +7352,7 @@
       </p:grpSpPr>
       <p:sp>
         <p:nvSpPr>
-          <p:cNvPr id="87" name="Shape 87"/>
+          <p:cNvPr id="86" name="Shape 86"/>
           <p:cNvSpPr txBox="1"/>
           <p:nvPr>
             <p:ph type="title"/>
@@ -7424,7 +7388,7 @@
       </p:sp>
       <p:sp>
         <p:nvSpPr>
-          <p:cNvPr id="88" name="Shape 88"/>
+          <p:cNvPr id="87" name="Shape 87"/>
           <p:cNvSpPr txBox="1"/>
           <p:nvPr>
             <p:ph idx="1" type="body"/>
@@ -7460,7 +7424,7 @@
       </p:sp>
       <p:pic>
         <p:nvPicPr>
-          <p:cNvPr id="89" name="Shape 89"/>
+          <p:cNvPr id="88" name="Shape 88"/>
           <p:cNvPicPr preferRelativeResize="0"/>
           <p:nvPr/>
         </p:nvPicPr>
@@ -7502,7 +7466,7 @@
   <p:cSld>
     <p:spTree>
       <p:nvGrpSpPr>
-        <p:cNvPr id="93" name="Shape 93"/>
+        <p:cNvPr id="92" name="Shape 92"/>
         <p:cNvGrpSpPr/>
         <p:nvPr/>
       </p:nvGrpSpPr>
@@ -7516,7 +7480,7 @@
       </p:grpSpPr>
       <p:sp>
         <p:nvSpPr>
-          <p:cNvPr id="94" name="Shape 94"/>
+          <p:cNvPr id="93" name="Shape 93"/>
           <p:cNvSpPr txBox="1"/>
           <p:nvPr>
             <p:ph type="title"/>
@@ -7552,7 +7516,7 @@
       </p:sp>
       <p:sp>
         <p:nvSpPr>
-          <p:cNvPr id="95" name="Shape 95"/>
+          <p:cNvPr id="94" name="Shape 94"/>
           <p:cNvSpPr txBox="1"/>
           <p:nvPr>
             <p:ph idx="1" type="body"/>
@@ -7588,7 +7552,7 @@
       </p:sp>
       <p:pic>
         <p:nvPicPr>
-          <p:cNvPr id="96" name="Shape 96"/>
+          <p:cNvPr id="95" name="Shape 95"/>
           <p:cNvPicPr preferRelativeResize="0"/>
           <p:nvPr/>
         </p:nvPicPr>
@@ -7630,7 +7594,7 @@
   <p:cSld>
     <p:spTree>
       <p:nvGrpSpPr>
-        <p:cNvPr id="100" name="Shape 100"/>
+        <p:cNvPr id="99" name="Shape 99"/>
         <p:cNvGrpSpPr/>
         <p:nvPr/>
       </p:nvGrpSpPr>
@@ -7644,7 +7608,7 @@
       </p:grpSpPr>
       <p:sp>
         <p:nvSpPr>
-          <p:cNvPr id="101" name="Shape 101"/>
+          <p:cNvPr id="100" name="Shape 100"/>
           <p:cNvSpPr txBox="1"/>
           <p:nvPr>
             <p:ph type="title"/>
@@ -7680,7 +7644,7 @@
       </p:sp>
       <p:sp>
         <p:nvSpPr>
-          <p:cNvPr id="102" name="Shape 102"/>
+          <p:cNvPr id="101" name="Shape 101"/>
           <p:cNvSpPr txBox="1"/>
           <p:nvPr>
             <p:ph idx="1" type="body"/>
@@ -7716,7 +7680,7 @@
       </p:sp>
       <p:pic>
         <p:nvPicPr>
-          <p:cNvPr id="103" name="Shape 103"/>
+          <p:cNvPr id="102" name="Shape 102"/>
           <p:cNvPicPr preferRelativeResize="0"/>
           <p:nvPr/>
         </p:nvPicPr>
@@ -7758,7 +7722,7 @@
   <p:cSld>
     <p:spTree>
       <p:nvGrpSpPr>
-        <p:cNvPr id="107" name="Shape 107"/>
+        <p:cNvPr id="106" name="Shape 106"/>
         <p:cNvGrpSpPr/>
         <p:nvPr/>
       </p:nvGrpSpPr>
@@ -7772,7 +7736,7 @@
       </p:grpSpPr>
       <p:sp>
         <p:nvSpPr>
-          <p:cNvPr id="108" name="Shape 108"/>
+          <p:cNvPr id="107" name="Shape 107"/>
           <p:cNvSpPr txBox="1"/>
           <p:nvPr>
             <p:ph type="title"/>
@@ -7808,7 +7772,7 @@
       </p:sp>
       <p:sp>
         <p:nvSpPr>
-          <p:cNvPr id="109" name="Shape 109"/>
+          <p:cNvPr id="108" name="Shape 108"/>
           <p:cNvSpPr txBox="1"/>
           <p:nvPr>
             <p:ph idx="1" type="body"/>
@@ -7844,7 +7808,7 @@
       </p:sp>
       <p:pic>
         <p:nvPicPr>
-          <p:cNvPr id="110" name="Shape 110"/>
+          <p:cNvPr id="109" name="Shape 109"/>
           <p:cNvPicPr preferRelativeResize="0"/>
           <p:nvPr/>
         </p:nvPicPr>
@@ -7882,6 +7846,285 @@
 </file>
 
 <file path=ppt/theme/theme1.xml><?xml version="1.0" encoding="utf-8"?>
+<a:theme xmlns:a="http://schemas.openxmlformats.org/drawingml/2006/main" xmlns:r="http://schemas.openxmlformats.org/officeDocument/2006/relationships" name="Custom Theme">
+  <a:themeElements>
+    <a:clrScheme name="Default">
+      <a:dk1>
+        <a:srgbClr val="000000"/>
+      </a:dk1>
+      <a:lt1>
+        <a:srgbClr val="FFFFFF"/>
+      </a:lt1>
+      <a:dk2>
+        <a:srgbClr val="158158"/>
+      </a:dk2>
+      <a:lt2>
+        <a:srgbClr val="F3F3F3"/>
+      </a:lt2>
+      <a:accent1>
+        <a:srgbClr val="058DC7"/>
+      </a:accent1>
+      <a:accent2>
+        <a:srgbClr val="50B432"/>
+      </a:accent2>
+      <a:accent3>
+        <a:srgbClr val="ED561B"/>
+      </a:accent3>
+      <a:accent4>
+        <a:srgbClr val="EDEF00"/>
+      </a:accent4>
+      <a:accent5>
+        <a:srgbClr val="24CBE5"/>
+      </a:accent5>
+      <a:accent6>
+        <a:srgbClr val="64E572"/>
+      </a:accent6>
+      <a:hlink>
+        <a:srgbClr val="2200CC"/>
+      </a:hlink>
+      <a:folHlink>
+        <a:srgbClr val="551A8B"/>
+      </a:folHlink>
+    </a:clrScheme>
+    <a:fontScheme name="Office">
+      <a:majorFont>
+        <a:latin typeface="Arial"/>
+        <a:ea typeface=""/>
+        <a:cs typeface=""/>
+        <a:font script="Jpan" typeface="ＭＳ Ｐゴシック"/>
+        <a:font script="Hang" typeface="맑은 고딕"/>
+        <a:font script="Hans" typeface="宋体"/>
+        <a:font script="Hant" typeface="新細明體"/>
+        <a:font script="Arab" typeface="Times New Roman"/>
+        <a:font script="Hebr" typeface="Times New Roman"/>
+        <a:font script="Thai" typeface="Angsana New"/>
+        <a:font script="Ethi" typeface="Nyala"/>
+        <a:font script="Beng" typeface="Vrinda"/>
+        <a:font script="Gujr" typeface="Shruti"/>
+        <a:font script="Khmr" typeface="MoolBoran"/>
+        <a:font script="Knda" typeface="Tunga"/>
+        <a:font script="Guru" typeface="Raavi"/>
+        <a:font script="Cans" typeface="Euphemia"/>
+        <a:font script="Cher" typeface="Plantagenet Cherokee"/>
+        <a:font script="Yiii" typeface="Microsoft Yi Baiti"/>
+        <a:font script="Tibt" typeface="Microsoft Himalaya"/>
+        <a:font script="Thaa" typeface="MV Boli"/>
+        <a:font script="Deva" typeface="Mangal"/>
+        <a:font script="Telu" typeface="Gautami"/>
+        <a:font script="Taml" typeface="Latha"/>
+        <a:font script="Syrc" typeface="Estrangelo Edessa"/>
+        <a:font script="Orya" typeface="Kalinga"/>
+        <a:font script="Mlym" typeface="Kartika"/>
+        <a:font script="Laoo" typeface="DokChampa"/>
+        <a:font script="Sinh" typeface="Iskoola Pota"/>
+        <a:font script="Mong" typeface="Mongolian Baiti"/>
+        <a:font script="Viet" typeface="Times New Roman"/>
+        <a:font script="Uigh" typeface="Microsoft Uighur"/>
+        <a:font script="Geor" typeface="Sylfaen"/>
+      </a:majorFont>
+      <a:minorFont>
+        <a:latin typeface="Arial"/>
+        <a:ea typeface=""/>
+        <a:cs typeface=""/>
+        <a:font script="Jpan" typeface="ＭＳ Ｐゴシック"/>
+        <a:font script="Hang" typeface="맑은 고딕"/>
+        <a:font script="Hans" typeface="宋体"/>
+        <a:font script="Hant" typeface="新細明體"/>
+        <a:font script="Arab" typeface="Arial"/>
+        <a:font script="Hebr" typeface="Arial"/>
+        <a:font script="Thai" typeface="Cordia New"/>
+        <a:font script="Ethi" typeface="Nyala"/>
+        <a:font script="Beng" typeface="Vrinda"/>
+        <a:font script="Gujr" typeface="Shruti"/>
+        <a:font script="Khmr" typeface="DaunPenh"/>
+        <a:font script="Knda" typeface="Tunga"/>
+        <a:font script="Guru" typeface="Raavi"/>
+        <a:font script="Cans" typeface="Euphemia"/>
+        <a:font script="Cher" typeface="Plantagenet Cherokee"/>
+        <a:font script="Yiii" typeface="Microsoft Yi Baiti"/>
+        <a:font script="Tibt" typeface="Microsoft Himalaya"/>
+        <a:font script="Thaa" typeface="MV Boli"/>
+        <a:font script="Deva" typeface="Mangal"/>
+        <a:font script="Telu" typeface="Gautami"/>
+        <a:font script="Taml" typeface="Latha"/>
+        <a:font script="Syrc" typeface="Estrangelo Edessa"/>
+        <a:font script="Orya" typeface="Kalinga"/>
+        <a:font script="Mlym" typeface="Kartika"/>
+        <a:font script="Laoo" typeface="DokChampa"/>
+        <a:font script="Sinh" typeface="Iskoola Pota"/>
+        <a:font script="Mong" typeface="Mongolian Baiti"/>
+        <a:font script="Viet" typeface="Arial"/>
+        <a:font script="Uigh" typeface="Microsoft Uighur"/>
+        <a:font script="Geor" typeface="Sylfaen"/>
+      </a:minorFont>
+    </a:fontScheme>
+    <a:fmtScheme name="Office">
+      <a:fillStyleLst>
+        <a:solidFill>
+          <a:schemeClr val="phClr"/>
+        </a:solidFill>
+        <a:gradFill rotWithShape="1">
+          <a:gsLst>
+            <a:gs pos="0">
+              <a:schemeClr val="phClr">
+                <a:tint val="50000"/>
+                <a:satMod val="300000"/>
+              </a:schemeClr>
+            </a:gs>
+            <a:gs pos="35000">
+              <a:schemeClr val="phClr">
+                <a:tint val="37000"/>
+                <a:satMod val="300000"/>
+              </a:schemeClr>
+            </a:gs>
+            <a:gs pos="100000">
+              <a:schemeClr val="phClr">
+                <a:tint val="15000"/>
+                <a:satMod val="350000"/>
+              </a:schemeClr>
+            </a:gs>
+          </a:gsLst>
+          <a:lin ang="16200000" scaled="1"/>
+        </a:gradFill>
+        <a:gradFill rotWithShape="1">
+          <a:gsLst>
+            <a:gs pos="0">
+              <a:schemeClr val="phClr">
+                <a:tint val="100000"/>
+                <a:shade val="100000"/>
+                <a:satMod val="130000"/>
+              </a:schemeClr>
+            </a:gs>
+            <a:gs pos="100000">
+              <a:schemeClr val="phClr">
+                <a:tint val="50000"/>
+                <a:shade val="100000"/>
+                <a:satMod val="350000"/>
+              </a:schemeClr>
+            </a:gs>
+          </a:gsLst>
+          <a:lin ang="16200000" scaled="0"/>
+        </a:gradFill>
+      </a:fillStyleLst>
+      <a:lnStyleLst>
+        <a:ln w="9525" cap="flat" cmpd="sng" algn="ctr">
+          <a:solidFill>
+            <a:schemeClr val="phClr">
+              <a:shade val="95000"/>
+              <a:satMod val="105000"/>
+            </a:schemeClr>
+          </a:solidFill>
+          <a:prstDash val="solid"/>
+        </a:ln>
+        <a:ln w="25400" cap="flat" cmpd="sng" algn="ctr">
+          <a:solidFill>
+            <a:schemeClr val="phClr"/>
+          </a:solidFill>
+          <a:prstDash val="solid"/>
+        </a:ln>
+        <a:ln w="38100" cap="flat" cmpd="sng" algn="ctr">
+          <a:solidFill>
+            <a:schemeClr val="phClr"/>
+          </a:solidFill>
+          <a:prstDash val="solid"/>
+        </a:ln>
+      </a:lnStyleLst>
+      <a:effectStyleLst>
+        <a:effectStyle>
+          <a:effectLst>
+            <a:outerShdw blurRad="40000" dist="20000" dir="5400000" rotWithShape="0">
+              <a:srgbClr val="000000">
+                <a:alpha val="38000"/>
+              </a:srgbClr>
+            </a:outerShdw>
+          </a:effectLst>
+        </a:effectStyle>
+        <a:effectStyle>
+          <a:effectLst>
+            <a:outerShdw blurRad="40000" dist="23000" dir="5400000" rotWithShape="0">
+              <a:srgbClr val="000000">
+                <a:alpha val="35000"/>
+              </a:srgbClr>
+            </a:outerShdw>
+          </a:effectLst>
+        </a:effectStyle>
+        <a:effectStyle>
+          <a:effectLst>
+            <a:outerShdw blurRad="40000" dist="23000" dir="5400000" rotWithShape="0">
+              <a:srgbClr val="000000">
+                <a:alpha val="35000"/>
+              </a:srgbClr>
+            </a:outerShdw>
+          </a:effectLst>
+          <a:scene3d>
+            <a:camera prst="orthographicFront">
+              <a:rot lat="0" lon="0" rev="0"/>
+            </a:camera>
+            <a:lightRig rig="threePt" dir="t">
+              <a:rot lat="0" lon="0" rev="1200000"/>
+            </a:lightRig>
+          </a:scene3d>
+          <a:sp3d>
+            <a:bevelT w="63500" h="25400"/>
+          </a:sp3d>
+        </a:effectStyle>
+      </a:effectStyleLst>
+      <a:bgFillStyleLst>
+        <a:solidFill>
+          <a:schemeClr val="phClr"/>
+        </a:solidFill>
+        <a:gradFill rotWithShape="1">
+          <a:gsLst>
+            <a:gs pos="0">
+              <a:schemeClr val="phClr">
+                <a:tint val="40000"/>
+                <a:satMod val="350000"/>
+              </a:schemeClr>
+            </a:gs>
+            <a:gs pos="40000">
+              <a:schemeClr val="phClr">
+                <a:tint val="45000"/>
+                <a:shade val="99000"/>
+                <a:satMod val="350000"/>
+              </a:schemeClr>
+            </a:gs>
+            <a:gs pos="100000">
+              <a:schemeClr val="phClr">
+                <a:shade val="20000"/>
+                <a:satMod val="255000"/>
+              </a:schemeClr>
+            </a:gs>
+          </a:gsLst>
+          <a:path path="circle">
+            <a:fillToRect l="50000" t="-80000" r="50000" b="180000"/>
+          </a:path>
+        </a:gradFill>
+        <a:gradFill rotWithShape="1">
+          <a:gsLst>
+            <a:gs pos="0">
+              <a:schemeClr val="phClr">
+                <a:tint val="80000"/>
+                <a:satMod val="300000"/>
+              </a:schemeClr>
+            </a:gs>
+            <a:gs pos="100000">
+              <a:schemeClr val="phClr">
+                <a:shade val="30000"/>
+                <a:satMod val="200000"/>
+              </a:schemeClr>
+            </a:gs>
+          </a:gsLst>
+          <a:path path="circle">
+            <a:fillToRect l="50000" t="50000" r="50000" b="50000"/>
+          </a:path>
+        </a:gradFill>
+      </a:bgFillStyleLst>
+    </a:fmtScheme>
+  </a:themeElements>
+</a:theme>
+</file>
+
+<file path=ppt/theme/theme2.xml><?xml version="1.0" encoding="utf-8"?>
 <a:theme xmlns:a="http://schemas.openxmlformats.org/drawingml/2006/main" xmlns:r="http://schemas.openxmlformats.org/officeDocument/2006/relationships" name="simple-light-2">
   <a:themeElements>
     <a:clrScheme name="Simple Light">
@@ -8158,283 +8401,4 @@
     </a:fmtScheme>
   </a:themeElements>
 </a:theme>
-</file>
-
-<file path=ppt/theme/theme2.xml><?xml version="1.0" encoding="utf-8"?>
-<a:theme xmlns:a="http://schemas.openxmlformats.org/drawingml/2006/main" xmlns:r="http://schemas.openxmlformats.org/officeDocument/2006/relationships" name="Custom Theme">
-  <a:themeElements>
-    <a:clrScheme name="Default">
-      <a:dk1>
-        <a:srgbClr val="000000"/>
-      </a:dk1>
-      <a:lt1>
-        <a:srgbClr val="FFFFFF"/>
-      </a:lt1>
-      <a:dk2>
-        <a:srgbClr val="158158"/>
-      </a:dk2>
-      <a:lt2>
-        <a:srgbClr val="F3F3F3"/>
-      </a:lt2>
-      <a:accent1>
-        <a:srgbClr val="058DC7"/>
-      </a:accent1>
-      <a:accent2>
-        <a:srgbClr val="50B432"/>
-      </a:accent2>
-      <a:accent3>
-        <a:srgbClr val="ED561B"/>
-      </a:accent3>
-      <a:accent4>
-        <a:srgbClr val="EDEF00"/>
-      </a:accent4>
-      <a:accent5>
-        <a:srgbClr val="24CBE5"/>
-      </a:accent5>
-      <a:accent6>
-        <a:srgbClr val="64E572"/>
-      </a:accent6>
-      <a:hlink>
-        <a:srgbClr val="2200CC"/>
-      </a:hlink>
-      <a:folHlink>
-        <a:srgbClr val="551A8B"/>
-      </a:folHlink>
-    </a:clrScheme>
-    <a:fontScheme name="Office">
-      <a:majorFont>
-        <a:latin typeface="Arial"/>
-        <a:ea typeface=""/>
-        <a:cs typeface=""/>
-        <a:font script="Jpan" typeface="ＭＳ Ｐゴシック"/>
-        <a:font script="Hang" typeface="맑은 고딕"/>
-        <a:font script="Hans" typeface="宋体"/>
-        <a:font script="Hant" typeface="新細明體"/>
-        <a:font script="Arab" typeface="Times New Roman"/>
-        <a:font script="Hebr" typeface="Times New Roman"/>
-        <a:font script="Thai" typeface="Angsana New"/>
-        <a:font script="Ethi" typeface="Nyala"/>
-        <a:font script="Beng" typeface="Vrinda"/>
-        <a:font script="Gujr" typeface="Shruti"/>
-        <a:font script="Khmr" typeface="MoolBoran"/>
-        <a:font script="Knda" typeface="Tunga"/>
-        <a:font script="Guru" typeface="Raavi"/>
-        <a:font script="Cans" typeface="Euphemia"/>
-        <a:font script="Cher" typeface="Plantagenet Cherokee"/>
-        <a:font script="Yiii" typeface="Microsoft Yi Baiti"/>
-        <a:font script="Tibt" typeface="Microsoft Himalaya"/>
-        <a:font script="Thaa" typeface="MV Boli"/>
-        <a:font script="Deva" typeface="Mangal"/>
-        <a:font script="Telu" typeface="Gautami"/>
-        <a:font script="Taml" typeface="Latha"/>
-        <a:font script="Syrc" typeface="Estrangelo Edessa"/>
-        <a:font script="Orya" typeface="Kalinga"/>
-        <a:font script="Mlym" typeface="Kartika"/>
-        <a:font script="Laoo" typeface="DokChampa"/>
-        <a:font script="Sinh" typeface="Iskoola Pota"/>
-        <a:font script="Mong" typeface="Mongolian Baiti"/>
-        <a:font script="Viet" typeface="Times New Roman"/>
-        <a:font script="Uigh" typeface="Microsoft Uighur"/>
-        <a:font script="Geor" typeface="Sylfaen"/>
-      </a:majorFont>
-      <a:minorFont>
-        <a:latin typeface="Arial"/>
-        <a:ea typeface=""/>
-        <a:cs typeface=""/>
-        <a:font script="Jpan" typeface="ＭＳ Ｐゴシック"/>
-        <a:font script="Hang" typeface="맑은 고딕"/>
-        <a:font script="Hans" typeface="宋体"/>
-        <a:font script="Hant" typeface="新細明體"/>
-        <a:font script="Arab" typeface="Arial"/>
-        <a:font script="Hebr" typeface="Arial"/>
-        <a:font script="Thai" typeface="Cordia New"/>
-        <a:font script="Ethi" typeface="Nyala"/>
-        <a:font script="Beng" typeface="Vrinda"/>
-        <a:font script="Gujr" typeface="Shruti"/>
-        <a:font script="Khmr" typeface="DaunPenh"/>
-        <a:font script="Knda" typeface="Tunga"/>
-        <a:font script="Guru" typeface="Raavi"/>
-        <a:font script="Cans" typeface="Euphemia"/>
-        <a:font script="Cher" typeface="Plantagenet Cherokee"/>
-        <a:font script="Yiii" typeface="Microsoft Yi Baiti"/>
-        <a:font script="Tibt" typeface="Microsoft Himalaya"/>
-        <a:font script="Thaa" typeface="MV Boli"/>
-        <a:font script="Deva" typeface="Mangal"/>
-        <a:font script="Telu" typeface="Gautami"/>
-        <a:font script="Taml" typeface="Latha"/>
-        <a:font script="Syrc" typeface="Estrangelo Edessa"/>
-        <a:font script="Orya" typeface="Kalinga"/>
-        <a:font script="Mlym" typeface="Kartika"/>
-        <a:font script="Laoo" typeface="DokChampa"/>
-        <a:font script="Sinh" typeface="Iskoola Pota"/>
-        <a:font script="Mong" typeface="Mongolian Baiti"/>
-        <a:font script="Viet" typeface="Arial"/>
-        <a:font script="Uigh" typeface="Microsoft Uighur"/>
-        <a:font script="Geor" typeface="Sylfaen"/>
-      </a:minorFont>
-    </a:fontScheme>
-    <a:fmtScheme name="Office">
-      <a:fillStyleLst>
-        <a:solidFill>
-          <a:schemeClr val="phClr"/>
-        </a:solidFill>
-        <a:gradFill rotWithShape="1">
-          <a:gsLst>
-            <a:gs pos="0">
-              <a:schemeClr val="phClr">
-                <a:tint val="50000"/>
-                <a:satMod val="300000"/>
-              </a:schemeClr>
-            </a:gs>
-            <a:gs pos="35000">
-              <a:schemeClr val="phClr">
-                <a:tint val="37000"/>
-                <a:satMod val="300000"/>
-              </a:schemeClr>
-            </a:gs>
-            <a:gs pos="100000">
-              <a:schemeClr val="phClr">
-                <a:tint val="15000"/>
-                <a:satMod val="350000"/>
-              </a:schemeClr>
-            </a:gs>
-          </a:gsLst>
-          <a:lin ang="16200000" scaled="1"/>
-        </a:gradFill>
-        <a:gradFill rotWithShape="1">
-          <a:gsLst>
-            <a:gs pos="0">
-              <a:schemeClr val="phClr">
-                <a:tint val="100000"/>
-                <a:shade val="100000"/>
-                <a:satMod val="130000"/>
-              </a:schemeClr>
-            </a:gs>
-            <a:gs pos="100000">
-              <a:schemeClr val="phClr">
-                <a:tint val="50000"/>
-                <a:shade val="100000"/>
-                <a:satMod val="350000"/>
-              </a:schemeClr>
-            </a:gs>
-          </a:gsLst>
-          <a:lin ang="16200000" scaled="0"/>
-        </a:gradFill>
-      </a:fillStyleLst>
-      <a:lnStyleLst>
-        <a:ln w="9525" cap="flat" cmpd="sng" algn="ctr">
-          <a:solidFill>
-            <a:schemeClr val="phClr">
-              <a:shade val="95000"/>
-              <a:satMod val="105000"/>
-            </a:schemeClr>
-          </a:solidFill>
-          <a:prstDash val="solid"/>
-        </a:ln>
-        <a:ln w="25400" cap="flat" cmpd="sng" algn="ctr">
-          <a:solidFill>
-            <a:schemeClr val="phClr"/>
-          </a:solidFill>
-          <a:prstDash val="solid"/>
-        </a:ln>
-        <a:ln w="38100" cap="flat" cmpd="sng" algn="ctr">
-          <a:solidFill>
-            <a:schemeClr val="phClr"/>
-          </a:solidFill>
-          <a:prstDash val="solid"/>
-        </a:ln>
-      </a:lnStyleLst>
-      <a:effectStyleLst>
-        <a:effectStyle>
-          <a:effectLst>
-            <a:outerShdw blurRad="40000" dist="20000" dir="5400000" rotWithShape="0">
-              <a:srgbClr val="000000">
-                <a:alpha val="38000"/>
-              </a:srgbClr>
-            </a:outerShdw>
-          </a:effectLst>
-        </a:effectStyle>
-        <a:effectStyle>
-          <a:effectLst>
-            <a:outerShdw blurRad="40000" dist="23000" dir="5400000" rotWithShape="0">
-              <a:srgbClr val="000000">
-                <a:alpha val="35000"/>
-              </a:srgbClr>
-            </a:outerShdw>
-          </a:effectLst>
-        </a:effectStyle>
-        <a:effectStyle>
-          <a:effectLst>
-            <a:outerShdw blurRad="40000" dist="23000" dir="5400000" rotWithShape="0">
-              <a:srgbClr val="000000">
-                <a:alpha val="35000"/>
-              </a:srgbClr>
-            </a:outerShdw>
-          </a:effectLst>
-          <a:scene3d>
-            <a:camera prst="orthographicFront">
-              <a:rot lat="0" lon="0" rev="0"/>
-            </a:camera>
-            <a:lightRig rig="threePt" dir="t">
-              <a:rot lat="0" lon="0" rev="1200000"/>
-            </a:lightRig>
-          </a:scene3d>
-          <a:sp3d>
-            <a:bevelT w="63500" h="25400"/>
-          </a:sp3d>
-        </a:effectStyle>
-      </a:effectStyleLst>
-      <a:bgFillStyleLst>
-        <a:solidFill>
-          <a:schemeClr val="phClr"/>
-        </a:solidFill>
-        <a:gradFill rotWithShape="1">
-          <a:gsLst>
-            <a:gs pos="0">
-              <a:schemeClr val="phClr">
-                <a:tint val="40000"/>
-                <a:satMod val="350000"/>
-              </a:schemeClr>
-            </a:gs>
-            <a:gs pos="40000">
-              <a:schemeClr val="phClr">
-                <a:tint val="45000"/>
-                <a:shade val="99000"/>
-                <a:satMod val="350000"/>
-              </a:schemeClr>
-            </a:gs>
-            <a:gs pos="100000">
-              <a:schemeClr val="phClr">
-                <a:shade val="20000"/>
-                <a:satMod val="255000"/>
-              </a:schemeClr>
-            </a:gs>
-          </a:gsLst>
-          <a:path path="circle">
-            <a:fillToRect l="50000" t="-80000" r="50000" b="180000"/>
-          </a:path>
-        </a:gradFill>
-        <a:gradFill rotWithShape="1">
-          <a:gsLst>
-            <a:gs pos="0">
-              <a:schemeClr val="phClr">
-                <a:tint val="80000"/>
-                <a:satMod val="300000"/>
-              </a:schemeClr>
-            </a:gs>
-            <a:gs pos="100000">
-              <a:schemeClr val="phClr">
-                <a:shade val="30000"/>
-                <a:satMod val="200000"/>
-              </a:schemeClr>
-            </a:gs>
-          </a:gsLst>
-          <a:path path="circle">
-            <a:fillToRect l="50000" t="50000" r="50000" b="50000"/>
-          </a:path>
-        </a:gradFill>
-      </a:bgFillStyleLst>
-    </a:fmtScheme>
-  </a:themeElements>
-</a:theme>
 </file>